--- a/courses/downloads/temp/AdvanceDB Lec4. ch19.pptx
+++ b/courses/downloads/temp/AdvanceDB Lec4. ch19.pptx
@@ -485,6 +485,11 @@
         </p:txBody>
       </p:sp>
     </p:spTree>
+    <p:extLst>
+      <p:ext uri="{BB962C8B-B14F-4D97-AF65-F5344CB8AC3E}">
+        <p14:creationId xmlns:p14="http://schemas.microsoft.com/office/powerpoint/2010/main" val="1"/>
+      </p:ext>
+    </p:extLst>
   </p:cSld>
   <p:clrMap bg1="lt1" tx1="dk1" bg2="lt2" tx2="dk2" accent1="accent1" accent2="accent2" accent3="accent3" accent4="accent4" accent5="accent5" accent6="accent6" hlink="hlink" folHlink="folHlink"/>
 </p:handoutMaster>
@@ -1418,7 +1423,161 @@
           <a:bodyPr/>
           <a:lstStyle/>
           <a:p>
-            <a:endParaRPr lang="en-US" altLang="en-US">
+            <a:r>
+              <a:rPr lang="en-US" b="1" dirty="0"/>
+              <a:t>🧠 Memory (Left Side)</a:t>
+            </a:r>
+          </a:p>
+          <a:p>
+            <a:pPr>
+              <a:buFont typeface="Arial" panose="020B0604020202020204" pitchFamily="34" charset="0"/>
+              <a:buChar char="•"/>
+            </a:pPr>
+            <a:r>
+              <a:rPr lang="en-US" b="1" dirty="0"/>
+              <a:t>Work area of T₁</a:t>
+            </a:r>
+            <a:r>
+              <a:rPr lang="en-US" dirty="0"/>
+              <a:t>: Variables x₁, y₁ — private memory for transaction </a:t>
+            </a:r>
+            <a:r>
+              <a:rPr lang="en-US" b="1" dirty="0"/>
+              <a:t>T₁</a:t>
+            </a:r>
+            <a:r>
+              <a:rPr lang="en-US" dirty="0"/>
+              <a:t>.</a:t>
+            </a:r>
+          </a:p>
+          <a:p>
+            <a:pPr>
+              <a:buFont typeface="Arial" panose="020B0604020202020204" pitchFamily="34" charset="0"/>
+              <a:buChar char="•"/>
+            </a:pPr>
+            <a:r>
+              <a:rPr lang="en-US" b="1" dirty="0"/>
+              <a:t>Work area of T₂</a:t>
+            </a:r>
+            <a:r>
+              <a:rPr lang="en-US" dirty="0"/>
+              <a:t>: Variable x₂ — private memory for transaction </a:t>
+            </a:r>
+            <a:r>
+              <a:rPr lang="en-US" b="1" dirty="0"/>
+              <a:t>T₂</a:t>
+            </a:r>
+            <a:r>
+              <a:rPr lang="en-US" dirty="0"/>
+              <a:t>.</a:t>
+            </a:r>
+          </a:p>
+          <a:p>
+            <a:r>
+              <a:rPr lang="en-US" b="1" dirty="0"/>
+              <a:t>📦 Buffer Pool (Middle Area)</a:t>
+            </a:r>
+          </a:p>
+          <a:p>
+            <a:pPr>
+              <a:buFont typeface="Arial" panose="020B0604020202020204" pitchFamily="34" charset="0"/>
+              <a:buChar char="•"/>
+            </a:pPr>
+            <a:r>
+              <a:rPr lang="en-US" dirty="0"/>
+              <a:t>A buffer is a memory area that temporarily holds disk blocks during read/write operations.</a:t>
+            </a:r>
+          </a:p>
+          <a:p>
+            <a:pPr>
+              <a:buFont typeface="Arial" panose="020B0604020202020204" pitchFamily="34" charset="0"/>
+              <a:buChar char="•"/>
+            </a:pPr>
+            <a:r>
+              <a:rPr lang="en-US" b="1" dirty="0"/>
+              <a:t>Buffer Block A</a:t>
+            </a:r>
+            <a:r>
+              <a:rPr lang="en-US" dirty="0"/>
+              <a:t>: Contains block </a:t>
+            </a:r>
+            <a:r>
+              <a:rPr lang="en-US" b="1" dirty="0"/>
+              <a:t>X</a:t>
+            </a:r>
+            <a:r>
+              <a:rPr lang="en-US" dirty="0"/>
+              <a:t>, read from disk block </a:t>
+            </a:r>
+            <a:r>
+              <a:rPr lang="en-US" b="1" dirty="0"/>
+              <a:t>A</a:t>
+            </a:r>
+            <a:r>
+              <a:rPr lang="en-US" dirty="0"/>
+              <a:t>.</a:t>
+            </a:r>
+          </a:p>
+          <a:p>
+            <a:pPr>
+              <a:buFont typeface="Arial" panose="020B0604020202020204" pitchFamily="34" charset="0"/>
+              <a:buChar char="•"/>
+            </a:pPr>
+            <a:r>
+              <a:rPr lang="en-US" b="1" dirty="0"/>
+              <a:t>Buffer Block B</a:t>
+            </a:r>
+            <a:r>
+              <a:rPr lang="en-US" dirty="0"/>
+              <a:t>: Contains block </a:t>
+            </a:r>
+            <a:r>
+              <a:rPr lang="en-US" b="1" dirty="0"/>
+              <a:t>Y</a:t>
+            </a:r>
+            <a:r>
+              <a:rPr lang="en-US" dirty="0"/>
+              <a:t>, eventually written back to disk block </a:t>
+            </a:r>
+            <a:r>
+              <a:rPr lang="en-US" b="1" dirty="0"/>
+              <a:t>B</a:t>
+            </a:r>
+            <a:r>
+              <a:rPr lang="en-US" dirty="0"/>
+              <a:t>.</a:t>
+            </a:r>
+          </a:p>
+          <a:p>
+            <a:r>
+              <a:rPr lang="en-US" b="1" dirty="0"/>
+              <a:t>💾 Disk (Right Side)</a:t>
+            </a:r>
+          </a:p>
+          <a:p>
+            <a:pPr>
+              <a:buFont typeface="Arial" panose="020B0604020202020204" pitchFamily="34" charset="0"/>
+              <a:buChar char="•"/>
+            </a:pPr>
+            <a:r>
+              <a:rPr lang="en-US" b="1" dirty="0"/>
+              <a:t>Block A</a:t>
+            </a:r>
+            <a:r>
+              <a:rPr lang="en-US" dirty="0"/>
+              <a:t> and </a:t>
+            </a:r>
+            <a:r>
+              <a:rPr lang="en-US" b="1" dirty="0"/>
+              <a:t>Block B</a:t>
+            </a:r>
+            <a:r>
+              <a:rPr lang="en-US" dirty="0"/>
+              <a:t>: Permanent storage blocks on disk.</a:t>
+            </a:r>
+          </a:p>
+          <a:p>
+            <a:endParaRPr lang="en-US" altLang="en-US" dirty="0">
               <a:latin typeface="Times New Roman" panose="02020603050405020304" pitchFamily="18" charset="0"/>
             </a:endParaRPr>
           </a:p>
@@ -27032,13 +27191,6 @@
   <p:clrMapOvr>
     <a:masterClrMapping/>
   </p:clrMapOvr>
-  <p:timing>
-    <p:tnLst>
-      <p:par>
-        <p:cTn id="1" dur="indefinite" restart="never" nodeType="tmRoot"/>
-      </p:par>
-    </p:tnLst>
-  </p:timing>
 </p:sld>
 </file>
 
@@ -27078,16 +27230,6 @@
               <a:defRPr/>
             </a:pPr>
             <a:r>
-              <a:rPr lang="en-US" dirty="0" smtClean="0">
-                <a:effectLst>
-                  <a:outerShdw blurRad="38100" dist="38100" dir="2700000" algn="tl">
-                    <a:srgbClr val="C0C0C0"/>
-                  </a:outerShdw>
-                </a:effectLst>
-              </a:rPr>
-              <a:t>Example </a:t>
-            </a:r>
-            <a:r>
               <a:rPr lang="en-US" dirty="0">
                 <a:effectLst>
                   <a:outerShdw blurRad="38100" dist="38100" dir="2700000" algn="tl">
@@ -27095,7 +27237,7 @@
                   </a:outerShdw>
                 </a:effectLst>
               </a:rPr>
-              <a:t>of Data Access</a:t>
+              <a:t>Example of Data Access</a:t>
             </a:r>
           </a:p>
         </p:txBody>
@@ -27116,7 +27258,7 @@
         </p:blipFill>
         <p:spPr>
           <a:xfrm>
-            <a:off x="2255520" y="1256042"/>
+            <a:off x="2255520" y="1260198"/>
             <a:ext cx="5131879" cy="4992737"/>
           </a:xfrm>
           <a:prstGeom prst="rect">
@@ -27620,20 +27762,16 @@
           <a:lstStyle/>
           <a:p>
             <a:r>
-              <a:rPr lang="en-US" altLang="en-US" i="1" dirty="0" smtClean="0"/>
+              <a:rPr lang="en-US" altLang="en-US" i="1" dirty="0"/>
               <a:t>T</a:t>
             </a:r>
             <a:r>
-              <a:rPr lang="en-US" altLang="en-US" baseline="-25000" dirty="0" smtClean="0"/>
+              <a:rPr lang="en-US" altLang="en-US" baseline="-25000" dirty="0"/>
               <a:t>1</a:t>
             </a:r>
             <a:r>
-              <a:rPr lang="en-US" altLang="en-US" dirty="0" smtClean="0"/>
-              <a:t> </a:t>
-            </a:r>
-            <a:r>
-              <a:rPr lang="en-US" altLang="en-US" dirty="0"/>
-              <a:t>can be ignored (updates already output to disk due to checkpoint)</a:t>
+              <a:rPr lang="en-US" altLang="en-US" dirty="0"/>
+              <a:t> can be ignored (updates already output to disk due to checkpoint)</a:t>
             </a:r>
           </a:p>
           <a:p>
@@ -27778,8 +27916,8 @@
         </p:nvSpPr>
         <p:spPr>
           <a:xfrm>
-            <a:off x="701336" y="1102497"/>
-            <a:ext cx="7741328" cy="5367972"/>
+            <a:off x="157942" y="1172095"/>
+            <a:ext cx="8284722" cy="5298374"/>
           </a:xfrm>
         </p:spPr>
         <p:txBody>
@@ -28204,8 +28342,8 @@
         </p:nvSpPr>
         <p:spPr>
           <a:xfrm>
-            <a:off x="674702" y="1102497"/>
-            <a:ext cx="7838983" cy="5367972"/>
+            <a:off x="74816" y="918556"/>
+            <a:ext cx="8438870" cy="5551913"/>
           </a:xfrm>
           <a:prstGeom prst="rect">
             <a:avLst/>
@@ -28221,11 +28359,11 @@
               </a:lnSpc>
             </a:pPr>
             <a:r>
-              <a:rPr lang="en-US" altLang="en-US" dirty="0"/>
+              <a:rPr lang="en-US" altLang="en-US" sz="2000" dirty="0"/>
               <a:t>A  </a:t>
             </a:r>
             <a:r>
-              <a:rPr lang="en-US" altLang="en-US" b="1" dirty="0">
+              <a:rPr lang="en-US" altLang="en-US" sz="2000" b="1" dirty="0">
                 <a:solidFill>
                   <a:srgbClr val="002060"/>
                 </a:solidFill>
@@ -28233,7 +28371,7 @@
               <a:t>log</a:t>
             </a:r>
             <a:r>
-              <a:rPr lang="en-US" altLang="en-US" dirty="0">
+              <a:rPr lang="en-US" altLang="en-US" sz="2000" dirty="0">
                 <a:solidFill>
                   <a:srgbClr val="002060"/>
                 </a:solidFill>
@@ -28241,15 +28379,15 @@
               <a:t>  </a:t>
             </a:r>
             <a:r>
-              <a:rPr lang="en-US" altLang="en-US" dirty="0"/>
+              <a:rPr lang="en-US" altLang="en-US" sz="2000" dirty="0"/>
               <a:t>is a sequence of  </a:t>
             </a:r>
             <a:r>
-              <a:rPr lang="en-US" altLang="en-US" b="1" dirty="0"/>
+              <a:rPr lang="en-US" altLang="en-US" sz="2000" b="1" dirty="0"/>
               <a:t>log records</a:t>
             </a:r>
             <a:r>
-              <a:rPr lang="en-US" altLang="en-US" dirty="0"/>
+              <a:rPr lang="en-US" altLang="en-US" sz="2000" dirty="0"/>
               <a:t>. The records  keep information about update activities on the database.</a:t>
             </a:r>
           </a:p>
@@ -28260,15 +28398,15 @@
               </a:lnSpc>
             </a:pPr>
             <a:r>
-              <a:rPr lang="en-US" altLang="en-US" dirty="0"/>
+              <a:rPr lang="en-US" altLang="en-US" sz="2000" dirty="0"/>
               <a:t>The </a:t>
             </a:r>
             <a:r>
-              <a:rPr lang="en-US" altLang="en-US" b="1" dirty="0"/>
+              <a:rPr lang="en-US" altLang="en-US" sz="2000" b="1" dirty="0"/>
               <a:t>log</a:t>
             </a:r>
             <a:r>
-              <a:rPr lang="en-US" altLang="en-US" dirty="0"/>
+              <a:rPr lang="en-US" altLang="en-US" sz="2000" dirty="0"/>
               <a:t> is kept on stable storage </a:t>
             </a:r>
           </a:p>
@@ -28279,23 +28417,23 @@
               </a:lnSpc>
             </a:pPr>
             <a:r>
-              <a:rPr lang="en-US" altLang="en-US" dirty="0"/>
+              <a:rPr lang="en-US" altLang="en-US" sz="2000" dirty="0"/>
               <a:t>When transaction </a:t>
             </a:r>
             <a:r>
-              <a:rPr lang="en-US" altLang="en-US" i="1" dirty="0" err="1"/>
+              <a:rPr lang="en-US" altLang="en-US" sz="2000" i="1" dirty="0" err="1"/>
               <a:t>T</a:t>
             </a:r>
             <a:r>
-              <a:rPr lang="en-US" altLang="en-US" i="1" baseline="-25000" dirty="0" err="1"/>
+              <a:rPr lang="en-US" altLang="en-US" sz="2000" i="1" baseline="-25000" dirty="0" err="1"/>
               <a:t>i</a:t>
             </a:r>
             <a:r>
-              <a:rPr lang="en-US" altLang="en-US" i="1" dirty="0"/>
+              <a:rPr lang="en-US" altLang="en-US" sz="2000" i="1" dirty="0"/>
               <a:t> </a:t>
             </a:r>
             <a:r>
-              <a:rPr lang="en-US" altLang="en-US" dirty="0"/>
+              <a:rPr lang="en-US" altLang="en-US" sz="2000" dirty="0"/>
               <a:t>starts, it registers itself by writing a </a:t>
             </a:r>
           </a:p>
@@ -28307,42 +28445,38 @@
               <a:buNone/>
             </a:pPr>
             <a:r>
-              <a:rPr lang="en-US" altLang="en-US" sz="800" dirty="0"/>
+              <a:rPr lang="en-US" altLang="en-US" sz="1000" dirty="0"/>
               <a:t> </a:t>
             </a:r>
-            <a:r>
-              <a:rPr lang="en-US" altLang="en-US" dirty="0"/>
-              <a:t/>
-            </a:r>
             <a:br>
-              <a:rPr lang="en-US" altLang="en-US" dirty="0"/>
+              <a:rPr lang="en-US" altLang="en-US" sz="2000" dirty="0"/>
             </a:br>
             <a:r>
-              <a:rPr lang="en-US" altLang="en-US" dirty="0"/>
+              <a:rPr lang="en-US" altLang="en-US" sz="2000" dirty="0"/>
               <a:t>       </a:t>
             </a:r>
             <a:r>
-              <a:rPr lang="en-US" altLang="en-US" i="1" dirty="0"/>
+              <a:rPr lang="en-US" altLang="en-US" sz="2000" i="1" dirty="0"/>
               <a:t>&lt;</a:t>
             </a:r>
             <a:r>
-              <a:rPr lang="en-US" altLang="en-US" i="1" dirty="0" err="1"/>
+              <a:rPr lang="en-US" altLang="en-US" sz="2000" i="1" dirty="0" err="1"/>
               <a:t>T</a:t>
             </a:r>
             <a:r>
-              <a:rPr lang="en-US" altLang="en-US" i="1" baseline="-25000" dirty="0" err="1"/>
+              <a:rPr lang="en-US" altLang="en-US" sz="2000" i="1" baseline="-25000" dirty="0" err="1"/>
               <a:t>i</a:t>
             </a:r>
             <a:r>
-              <a:rPr lang="en-US" altLang="en-US" i="1" baseline="-25000" dirty="0"/>
+              <a:rPr lang="en-US" altLang="en-US" sz="2000" i="1" baseline="-25000" dirty="0"/>
               <a:t>  </a:t>
             </a:r>
             <a:r>
-              <a:rPr lang="en-US" altLang="en-US" b="1" dirty="0"/>
+              <a:rPr lang="en-US" altLang="en-US" sz="2000" b="1" dirty="0"/>
               <a:t>start</a:t>
             </a:r>
             <a:r>
-              <a:rPr lang="en-US" altLang="en-US" dirty="0"/>
+              <a:rPr lang="en-US" altLang="en-US" sz="2000" dirty="0"/>
               <a:t>&gt; log record</a:t>
             </a:r>
           </a:p>
@@ -28353,7 +28487,7 @@
               </a:lnSpc>
               <a:buNone/>
             </a:pPr>
-            <a:endParaRPr lang="en-US" altLang="en-US" sz="800" dirty="0"/>
+            <a:endParaRPr lang="en-US" altLang="en-US" sz="1000" dirty="0"/>
           </a:p>
           <a:p>
             <a:pPr>
@@ -28362,39 +28496,39 @@
               </a:lnSpc>
             </a:pPr>
             <a:r>
-              <a:rPr lang="en-US" altLang="en-US" i="1" dirty="0"/>
+              <a:rPr lang="en-US" altLang="en-US" sz="2000" i="1" dirty="0"/>
               <a:t>Before </a:t>
             </a:r>
             <a:r>
-              <a:rPr lang="en-US" altLang="en-US" i="1" dirty="0" err="1"/>
+              <a:rPr lang="en-US" altLang="en-US" sz="2000" i="1" dirty="0" err="1"/>
               <a:t>T</a:t>
             </a:r>
             <a:r>
-              <a:rPr lang="en-US" altLang="en-US" i="1" baseline="-25000" dirty="0" err="1"/>
+              <a:rPr lang="en-US" altLang="en-US" sz="2000" i="1" baseline="-25000" dirty="0" err="1"/>
               <a:t>i</a:t>
             </a:r>
             <a:r>
-              <a:rPr lang="en-US" altLang="en-US" i="1" dirty="0"/>
+              <a:rPr lang="en-US" altLang="en-US" sz="2000" i="1" dirty="0"/>
               <a:t> </a:t>
             </a:r>
             <a:r>
-              <a:rPr lang="en-US" altLang="en-US" dirty="0"/>
+              <a:rPr lang="en-US" altLang="en-US" sz="2000" dirty="0"/>
               <a:t>executes </a:t>
             </a:r>
             <a:r>
-              <a:rPr lang="en-US" altLang="en-US" b="1" dirty="0"/>
+              <a:rPr lang="en-US" altLang="en-US" sz="2000" b="1" dirty="0"/>
               <a:t>write</a:t>
             </a:r>
             <a:r>
-              <a:rPr lang="en-US" altLang="en-US" dirty="0"/>
+              <a:rPr lang="en-US" altLang="en-US" sz="2000" dirty="0"/>
               <a:t>(</a:t>
             </a:r>
             <a:r>
-              <a:rPr lang="en-US" altLang="en-US" i="1" dirty="0"/>
+              <a:rPr lang="en-US" altLang="en-US" sz="2000" i="1" dirty="0"/>
               <a:t>X</a:t>
             </a:r>
             <a:r>
-              <a:rPr lang="en-US" altLang="en-US" dirty="0"/>
+              <a:rPr lang="en-US" altLang="en-US" sz="2000" dirty="0"/>
               <a:t>), a log record </a:t>
             </a:r>
           </a:p>
@@ -28406,57 +28540,53 @@
               <a:buNone/>
             </a:pPr>
             <a:r>
-              <a:rPr lang="en-US" altLang="en-US" sz="800" dirty="0"/>
+              <a:rPr lang="en-US" altLang="en-US" sz="1000" dirty="0"/>
               <a:t> </a:t>
             </a:r>
-            <a:r>
-              <a:rPr lang="en-US" altLang="en-US" dirty="0"/>
-              <a:t/>
-            </a:r>
             <a:br>
-              <a:rPr lang="en-US" altLang="en-US" dirty="0"/>
+              <a:rPr lang="en-US" altLang="en-US" sz="2000" dirty="0"/>
             </a:br>
             <a:r>
-              <a:rPr lang="en-US" altLang="en-US" dirty="0"/>
+              <a:rPr lang="en-US" altLang="en-US" sz="2000" dirty="0"/>
               <a:t>       </a:t>
             </a:r>
             <a:r>
-              <a:rPr lang="en-US" altLang="en-US" i="1" dirty="0"/>
+              <a:rPr lang="en-US" altLang="en-US" sz="2000" i="1" dirty="0"/>
               <a:t>&lt;</a:t>
             </a:r>
             <a:r>
-              <a:rPr lang="en-US" altLang="en-US" i="1" dirty="0" err="1"/>
+              <a:rPr lang="en-US" altLang="en-US" sz="2000" i="1" dirty="0" err="1"/>
               <a:t>T</a:t>
             </a:r>
             <a:r>
-              <a:rPr lang="en-US" altLang="en-US" i="1" baseline="-25000" dirty="0" err="1"/>
+              <a:rPr lang="en-US" altLang="en-US" sz="2000" i="1" baseline="-25000" dirty="0" err="1"/>
               <a:t>i</a:t>
             </a:r>
             <a:r>
-              <a:rPr lang="en-US" altLang="en-US" i="1" dirty="0"/>
+              <a:rPr lang="en-US" altLang="en-US" sz="2000" i="1" dirty="0"/>
               <a:t>, X,  V</a:t>
             </a:r>
             <a:r>
-              <a:rPr lang="en-US" altLang="en-US" i="1" baseline="-25000" dirty="0"/>
+              <a:rPr lang="en-US" altLang="en-US" sz="2000" i="1" baseline="-25000" dirty="0"/>
               <a:t>1</a:t>
             </a:r>
             <a:r>
-              <a:rPr lang="en-US" altLang="en-US" i="1" dirty="0"/>
+              <a:rPr lang="en-US" altLang="en-US" sz="2000" i="1" dirty="0"/>
               <a:t>,  V</a:t>
             </a:r>
             <a:r>
-              <a:rPr lang="en-US" altLang="en-US" i="1" baseline="-25000" dirty="0"/>
+              <a:rPr lang="en-US" altLang="en-US" sz="2000" i="1" baseline="-25000" dirty="0"/>
               <a:t>2</a:t>
             </a:r>
             <a:r>
-              <a:rPr lang="en-US" altLang="en-US" i="1" dirty="0"/>
+              <a:rPr lang="en-US" altLang="en-US" sz="2000" i="1" dirty="0"/>
               <a:t>&gt;  </a:t>
             </a:r>
             <a:br>
-              <a:rPr lang="en-US" altLang="en-US" i="1" dirty="0"/>
+              <a:rPr lang="en-US" altLang="en-US" sz="2000" i="1" dirty="0"/>
             </a:br>
             <a:r>
-              <a:rPr lang="en-US" altLang="en-US" sz="800" i="1" dirty="0"/>
+              <a:rPr lang="en-US" altLang="en-US" sz="1000" i="1" dirty="0"/>
               <a:t> </a:t>
             </a:r>
           </a:p>
@@ -28468,35 +28598,35 @@
               <a:buNone/>
             </a:pPr>
             <a:r>
-              <a:rPr lang="en-US" altLang="en-US" i="1" dirty="0"/>
+              <a:rPr lang="en-US" altLang="en-US" sz="2000" i="1" dirty="0"/>
               <a:t>        </a:t>
             </a:r>
             <a:r>
-              <a:rPr lang="en-US" altLang="en-US" dirty="0"/>
+              <a:rPr lang="en-US" altLang="en-US" sz="2000" dirty="0"/>
               <a:t>is written, where</a:t>
             </a:r>
             <a:r>
-              <a:rPr lang="en-US" altLang="en-US" i="1" dirty="0"/>
+              <a:rPr lang="en-US" altLang="en-US" sz="2000" i="1" dirty="0"/>
               <a:t> V</a:t>
             </a:r>
             <a:r>
-              <a:rPr lang="en-US" altLang="en-US" i="1" baseline="-25000" dirty="0"/>
+              <a:rPr lang="en-US" altLang="en-US" sz="2000" i="1" baseline="-25000" dirty="0"/>
               <a:t>1</a:t>
             </a:r>
             <a:r>
-              <a:rPr lang="en-US" altLang="en-US" dirty="0"/>
+              <a:rPr lang="en-US" altLang="en-US" sz="2000" dirty="0"/>
               <a:t> is the value of </a:t>
             </a:r>
             <a:r>
-              <a:rPr lang="en-US" altLang="en-US" i="1" dirty="0"/>
+              <a:rPr lang="en-US" altLang="en-US" sz="2000" i="1" dirty="0"/>
               <a:t>X</a:t>
             </a:r>
             <a:r>
-              <a:rPr lang="en-US" altLang="en-US" dirty="0"/>
+              <a:rPr lang="en-US" altLang="en-US" sz="2000" dirty="0"/>
               <a:t>  before the write (the </a:t>
             </a:r>
             <a:r>
-              <a:rPr lang="en-US" altLang="en-US" b="1" dirty="0">
+              <a:rPr lang="en-US" altLang="en-US" sz="2000" b="1" dirty="0">
                 <a:solidFill>
                   <a:srgbClr val="002060"/>
                 </a:solidFill>
@@ -28512,7 +28642,7 @@
               <a:buNone/>
             </a:pPr>
             <a:r>
-              <a:rPr lang="en-US" altLang="en-US" b="1" dirty="0">
+              <a:rPr lang="en-US" altLang="en-US" sz="2000" b="1" dirty="0">
                 <a:solidFill>
                   <a:srgbClr val="002060"/>
                 </a:solidFill>
@@ -28520,43 +28650,43 @@
               <a:t>       value</a:t>
             </a:r>
             <a:r>
-              <a:rPr lang="en-US" altLang="en-US" dirty="0"/>
+              <a:rPr lang="en-US" altLang="en-US" sz="2000" dirty="0"/>
               <a:t>)</a:t>
             </a:r>
             <a:r>
-              <a:rPr lang="en-US" altLang="en-US" b="1" dirty="0"/>
+              <a:rPr lang="en-US" altLang="en-US" sz="2000" b="1" dirty="0"/>
               <a:t>,</a:t>
             </a:r>
             <a:r>
-              <a:rPr lang="en-US" altLang="en-US" dirty="0"/>
+              <a:rPr lang="en-US" altLang="en-US" sz="2000" dirty="0"/>
               <a:t> and </a:t>
             </a:r>
             <a:r>
-              <a:rPr lang="en-US" altLang="en-US" i="1" dirty="0"/>
+              <a:rPr lang="en-US" altLang="en-US" sz="2000" i="1" dirty="0"/>
               <a:t>V</a:t>
             </a:r>
             <a:r>
-              <a:rPr lang="en-US" altLang="en-US" i="1" baseline="-25000" dirty="0"/>
+              <a:rPr lang="en-US" altLang="en-US" sz="2000" i="1" baseline="-25000" dirty="0"/>
               <a:t>2</a:t>
             </a:r>
             <a:r>
-              <a:rPr lang="en-US" altLang="en-US" i="1" dirty="0"/>
+              <a:rPr lang="en-US" altLang="en-US" sz="2000" i="1" dirty="0"/>
               <a:t> </a:t>
             </a:r>
             <a:r>
-              <a:rPr lang="en-US" altLang="en-US" dirty="0"/>
+              <a:rPr lang="en-US" altLang="en-US" sz="2000" dirty="0"/>
               <a:t>is the value to be written to </a:t>
             </a:r>
             <a:r>
-              <a:rPr lang="en-US" altLang="en-US" i="1" dirty="0"/>
+              <a:rPr lang="en-US" altLang="en-US" sz="2000" i="1" dirty="0"/>
               <a:t>X </a:t>
             </a:r>
             <a:r>
-              <a:rPr lang="en-US" altLang="en-US" dirty="0"/>
+              <a:rPr lang="en-US" altLang="en-US" sz="2000" dirty="0"/>
               <a:t>(the </a:t>
             </a:r>
             <a:r>
-              <a:rPr lang="en-US" altLang="en-US" b="1" dirty="0">
+              <a:rPr lang="en-US" altLang="en-US" sz="2000" b="1" dirty="0">
                 <a:solidFill>
                   <a:srgbClr val="002060"/>
                 </a:solidFill>
@@ -28564,7 +28694,7 @@
               <a:t>new value</a:t>
             </a:r>
             <a:r>
-              <a:rPr lang="en-US" altLang="en-US" dirty="0"/>
+              <a:rPr lang="en-US" altLang="en-US" sz="2000" dirty="0"/>
               <a:t>). </a:t>
             </a:r>
           </a:p>
@@ -28575,43 +28705,43 @@
               </a:lnSpc>
             </a:pPr>
             <a:r>
-              <a:rPr lang="en-US" altLang="en-US" dirty="0"/>
+              <a:rPr lang="en-US" altLang="en-US" sz="2000" dirty="0"/>
               <a:t>When </a:t>
             </a:r>
             <a:r>
-              <a:rPr lang="en-US" altLang="en-US" i="1" dirty="0" err="1"/>
+              <a:rPr lang="en-US" altLang="en-US" sz="2000" i="1" dirty="0" err="1"/>
               <a:t>T</a:t>
             </a:r>
             <a:r>
-              <a:rPr lang="en-US" altLang="en-US" i="1" baseline="-25000" dirty="0" err="1"/>
+              <a:rPr lang="en-US" altLang="en-US" sz="2000" i="1" baseline="-25000" dirty="0" err="1"/>
               <a:t>i</a:t>
             </a:r>
             <a:r>
-              <a:rPr lang="en-US" altLang="en-US" dirty="0"/>
+              <a:rPr lang="en-US" altLang="en-US" sz="2000" dirty="0"/>
               <a:t> finishes it last statement, the log record &lt;</a:t>
             </a:r>
             <a:r>
-              <a:rPr lang="en-US" altLang="en-US" i="1" dirty="0" err="1"/>
+              <a:rPr lang="en-US" altLang="en-US" sz="2000" i="1" dirty="0" err="1"/>
               <a:t>T</a:t>
             </a:r>
             <a:r>
-              <a:rPr lang="en-US" altLang="en-US" i="1" baseline="-25000" dirty="0" err="1"/>
+              <a:rPr lang="en-US" altLang="en-US" sz="2000" i="1" baseline="-25000" dirty="0" err="1"/>
               <a:t>i</a:t>
             </a:r>
             <a:r>
-              <a:rPr lang="en-US" altLang="en-US" i="1" dirty="0"/>
+              <a:rPr lang="en-US" altLang="en-US" sz="2000" i="1" dirty="0"/>
               <a:t> </a:t>
             </a:r>
             <a:r>
-              <a:rPr lang="en-US" altLang="en-US" b="1" i="1" dirty="0"/>
+              <a:rPr lang="en-US" altLang="en-US" sz="2000" b="1" i="1" dirty="0"/>
               <a:t> </a:t>
             </a:r>
             <a:r>
-              <a:rPr lang="en-US" altLang="en-US" b="1" dirty="0"/>
+              <a:rPr lang="en-US" altLang="en-US" sz="2000" b="1" dirty="0"/>
               <a:t>commi</a:t>
             </a:r>
             <a:r>
-              <a:rPr lang="en-US" altLang="en-US" dirty="0"/>
+              <a:rPr lang="en-US" altLang="en-US" sz="2000" dirty="0"/>
               <a:t>t&gt; is written. </a:t>
             </a:r>
           </a:p>
@@ -28622,7 +28752,7 @@
               </a:lnSpc>
             </a:pPr>
             <a:r>
-              <a:rPr lang="en-US" altLang="en-US" dirty="0"/>
+              <a:rPr lang="en-US" altLang="en-US" sz="2000" dirty="0"/>
               <a:t>Two approaches using logs</a:t>
             </a:r>
           </a:p>
@@ -28633,7 +28763,7 @@
               </a:lnSpc>
             </a:pPr>
             <a:r>
-              <a:rPr lang="en-US" altLang="en-US" dirty="0"/>
+              <a:rPr lang="en-US" altLang="en-US" sz="2000" dirty="0"/>
               <a:t>Immediate database modification</a:t>
             </a:r>
           </a:p>
@@ -28644,7 +28774,7 @@
               </a:lnSpc>
             </a:pPr>
             <a:r>
-              <a:rPr lang="en-US" altLang="en-US" dirty="0"/>
+              <a:rPr lang="en-US" altLang="en-US" sz="2000" dirty="0"/>
               <a:t>Deferred database modification. </a:t>
             </a:r>
           </a:p>
@@ -30939,36 +31069,36 @@
           <a:lstStyle/>
           <a:p>
             <a:r>
-              <a:rPr lang="en-US" altLang="en-US" dirty="0"/>
+              <a:rPr lang="en-US" altLang="en-US" sz="2400" dirty="0"/>
               <a:t>Failure Classification</a:t>
             </a:r>
           </a:p>
           <a:p>
             <a:r>
-              <a:rPr lang="en-US" altLang="en-US" dirty="0"/>
+              <a:rPr lang="en-US" altLang="en-US" sz="2400" dirty="0"/>
               <a:t>Storage Structure</a:t>
             </a:r>
           </a:p>
           <a:p>
             <a:r>
-              <a:rPr lang="en-US" altLang="en-US" dirty="0"/>
+              <a:rPr lang="en-US" altLang="en-US" sz="2400" dirty="0"/>
               <a:t>Recovery and Atomicity</a:t>
             </a:r>
           </a:p>
           <a:p>
             <a:r>
-              <a:rPr lang="en-US" altLang="en-US" dirty="0"/>
+              <a:rPr lang="en-US" altLang="en-US" sz="2400" dirty="0"/>
               <a:t>Log-Based Recovery</a:t>
             </a:r>
           </a:p>
           <a:p>
             <a:r>
-              <a:rPr lang="en-US" altLang="en-US" dirty="0"/>
+              <a:rPr lang="en-US" altLang="en-US" sz="2400" dirty="0"/>
               <a:t>Remote Backup Systems</a:t>
             </a:r>
           </a:p>
           <a:p>
-            <a:endParaRPr lang="en-US" altLang="en-US" dirty="0"/>
+            <a:endParaRPr lang="en-US" altLang="en-US" sz="2400" dirty="0"/>
           </a:p>
         </p:txBody>
       </p:sp>
@@ -30977,13 +31107,6 @@
   <p:clrMapOvr>
     <a:masterClrMapping/>
   </p:clrMapOvr>
-  <p:timing>
-    <p:tnLst>
-      <p:par>
-        <p:cTn id="1" dur="indefinite" restart="never" nodeType="tmRoot"/>
-      </p:par>
-    </p:tnLst>
-  </p:timing>
 </p:sld>
 </file>
 
@@ -33868,7 +33991,7 @@
           <a:blip r:embed="rId2">
             <a:extLst>
               <a:ext uri="{96DAC541-7B7A-43D3-8B79-37D633B846F1}">
-                <asvg:svgBlip xmlns:asvg="http://schemas.microsoft.com/office/drawing/2016/SVG/main" xmlns="" r:embed="rId3"/>
+                <asvg:svgBlip xmlns:asvg="http://schemas.microsoft.com/office/drawing/2016/SVG/main" r:embed="rId3"/>
               </a:ext>
             </a:extLst>
           </a:blip>
@@ -33971,50 +34094,74 @@
           <a:lstStyle/>
           <a:p>
             <a:r>
-              <a:rPr lang="en-US" altLang="en-US" b="1" dirty="0"/>
+              <a:rPr lang="en-US" altLang="en-US" sz="1800" b="1" dirty="0"/>
               <a:t>Transaction failure</a:t>
             </a:r>
             <a:r>
-              <a:rPr lang="en-US" altLang="en-US" dirty="0"/>
+              <a:rPr lang="en-US" altLang="en-US" sz="1800" dirty="0"/>
               <a:t> :</a:t>
             </a:r>
           </a:p>
           <a:p>
             <a:pPr lvl="1"/>
             <a:r>
-              <a:rPr lang="en-US" altLang="en-US" b="1" dirty="0"/>
+              <a:rPr lang="en-US" altLang="en-US" sz="1800" b="1" dirty="0"/>
               <a:t>Logical errors</a:t>
             </a:r>
             <a:r>
-              <a:rPr lang="en-US" altLang="en-US" dirty="0"/>
+              <a:rPr lang="en-US" altLang="en-US" sz="1800" dirty="0"/>
               <a:t>: transaction cannot complete due to some internal error condition</a:t>
             </a:r>
           </a:p>
           <a:p>
             <a:pPr lvl="1"/>
             <a:r>
-              <a:rPr lang="en-US" altLang="en-US" b="1" dirty="0"/>
+              <a:rPr lang="en-US" altLang="en-US" sz="1800" b="1" dirty="0"/>
               <a:t>System errors</a:t>
             </a:r>
             <a:r>
-              <a:rPr lang="en-US" altLang="en-US" dirty="0"/>
-              <a:t>: the database system must terminate an active transaction due to an error condition (e.g., deadlock)</a:t>
-            </a:r>
-          </a:p>
-          <a:p>
-            <a:r>
-              <a:rPr lang="en-US" altLang="en-US" b="1" dirty="0"/>
+              <a:rPr lang="en-US" altLang="en-US" sz="1800" dirty="0"/>
+              <a:t>: the database system must </a:t>
+            </a:r>
+            <a:r>
+              <a:rPr lang="en-US" altLang="en-US" sz="1800" b="1" dirty="0"/>
+              <a:t>terminate</a:t>
+            </a:r>
+            <a:r>
+              <a:rPr lang="en-US" altLang="en-US" sz="1800" dirty="0"/>
+              <a:t> an active transaction due to an </a:t>
+            </a:r>
+            <a:r>
+              <a:rPr lang="en-US" altLang="en-US" sz="1800" b="1" dirty="0"/>
+              <a:t>error condition </a:t>
+            </a:r>
+            <a:r>
+              <a:rPr lang="en-US" altLang="en-US" sz="1800" dirty="0"/>
+              <a:t>(e.g., </a:t>
+            </a:r>
+            <a:r>
+              <a:rPr lang="en-US" altLang="en-US" sz="1800" b="1" dirty="0"/>
+              <a:t>deadlock</a:t>
+            </a:r>
+            <a:r>
+              <a:rPr lang="en-US" altLang="en-US" sz="1800" dirty="0"/>
+              <a:t>)</a:t>
+            </a:r>
+          </a:p>
+          <a:p>
+            <a:r>
+              <a:rPr lang="en-US" altLang="en-US" sz="1800" b="1" dirty="0"/>
               <a:t>System crash</a:t>
             </a:r>
             <a:r>
-              <a:rPr lang="en-US" altLang="en-US" dirty="0"/>
+              <a:rPr lang="en-US" altLang="en-US" sz="1800" dirty="0"/>
               <a:t>: a power failure or other hardware or software failure causes the system to crash.</a:t>
             </a:r>
           </a:p>
           <a:p>
             <a:pPr lvl="1"/>
             <a:r>
-              <a:rPr lang="en-US" altLang="en-US" b="1" dirty="0">
+              <a:rPr lang="en-US" altLang="en-US" sz="1800" b="1" dirty="0">
                 <a:solidFill>
                   <a:srgbClr val="002060"/>
                 </a:solidFill>
@@ -34022,31 +34169,31 @@
               <a:t>Fail-stop assumption</a:t>
             </a:r>
             <a:r>
-              <a:rPr lang="en-US" altLang="en-US" dirty="0"/>
+              <a:rPr lang="en-US" altLang="en-US" sz="1800" dirty="0"/>
               <a:t>: non-volatile storage contents are assumed to not be corrupted by system crash</a:t>
             </a:r>
           </a:p>
           <a:p>
             <a:pPr lvl="2"/>
             <a:r>
-              <a:rPr lang="en-US" altLang="en-US" dirty="0"/>
+              <a:rPr lang="en-US" altLang="en-US" sz="1800" dirty="0"/>
               <a:t>Database systems have numerous integrity checks to prevent corruption of disk data </a:t>
             </a:r>
           </a:p>
           <a:p>
             <a:r>
-              <a:rPr lang="en-US" altLang="en-US" b="1" dirty="0"/>
+              <a:rPr lang="en-US" altLang="en-US" sz="1800" b="1" dirty="0"/>
               <a:t>Disk failure</a:t>
             </a:r>
             <a:r>
-              <a:rPr lang="en-US" altLang="en-US" dirty="0"/>
+              <a:rPr lang="en-US" altLang="en-US" sz="1800" dirty="0"/>
               <a:t>: a head crash or similar disk failure destroys all or part of disk storage</a:t>
             </a:r>
           </a:p>
           <a:p>
             <a:pPr lvl="1"/>
             <a:r>
-              <a:rPr lang="en-US" altLang="en-US" dirty="0"/>
+              <a:rPr lang="en-US" altLang="en-US" sz="1800" dirty="0"/>
               <a:t>Destruction is assumed to be detectable: disk drives use checksums to detect failures</a:t>
             </a:r>
           </a:p>
@@ -34057,13 +34204,6 @@
   <p:clrMapOvr>
     <a:masterClrMapping/>
   </p:clrMapOvr>
-  <p:timing>
-    <p:tnLst>
-      <p:par>
-        <p:cTn id="1" dur="indefinite" restart="never" nodeType="tmRoot"/>
-      </p:par>
-    </p:tnLst>
-  </p:timing>
 </p:sld>
 </file>
 
@@ -37003,15 +37143,7 @@
             </a:r>
             <a:r>
               <a:rPr lang="en-US" altLang="en-US" dirty="0"/>
-              <a:t>: To reduce delay in takeover, backup site periodically </a:t>
-            </a:r>
-            <a:r>
-              <a:rPr lang="en-US" altLang="en-US" dirty="0" smtClean="0"/>
-              <a:t>process </a:t>
-            </a:r>
-            <a:r>
-              <a:rPr lang="en-US" altLang="en-US" dirty="0"/>
-              <a:t>the redo log records (in effect, performing recovery from previous database state), performs a checkpoint, and can then delete earlier parts of the log. </a:t>
+              <a:t>: To reduce delay in takeover, backup site periodically process the redo log records (in effect, performing recovery from previous database state), performs a checkpoint, and can then delete earlier parts of the log. </a:t>
             </a:r>
           </a:p>
           <a:p>
@@ -38832,7 +38964,7 @@
           <a:lstStyle/>
           <a:p>
             <a:r>
-              <a:rPr lang="en-US" altLang="en-US" b="1" dirty="0">
+              <a:rPr lang="en-US" altLang="en-US" sz="2000" b="1" dirty="0">
                 <a:solidFill>
                   <a:srgbClr val="002060"/>
                 </a:solidFill>
@@ -38840,27 +38972,27 @@
               <a:t>Volatile storage</a:t>
             </a:r>
             <a:r>
-              <a:rPr lang="en-US" altLang="en-US" dirty="0"/>
+              <a:rPr lang="en-US" altLang="en-US" sz="2000" dirty="0"/>
               <a:t>:</a:t>
             </a:r>
           </a:p>
           <a:p>
             <a:pPr lvl="1"/>
             <a:r>
-              <a:rPr lang="en-US" altLang="en-US" dirty="0"/>
+              <a:rPr lang="en-US" altLang="en-US" sz="2000" dirty="0"/>
               <a:t>Does not survive system crashes</a:t>
             </a:r>
           </a:p>
           <a:p>
             <a:pPr lvl="1"/>
             <a:r>
-              <a:rPr lang="en-US" altLang="en-US" dirty="0"/>
+              <a:rPr lang="en-US" altLang="en-US" sz="2000" dirty="0"/>
               <a:t>Examples: main memory, cache memory</a:t>
             </a:r>
           </a:p>
           <a:p>
             <a:r>
-              <a:rPr lang="en-US" altLang="en-US" b="1" dirty="0">
+              <a:rPr lang="en-US" altLang="en-US" sz="2000" b="1" dirty="0">
                 <a:solidFill>
                   <a:srgbClr val="002060"/>
                 </a:solidFill>
@@ -38868,34 +39000,34 @@
               <a:t>Nonvolatile storage</a:t>
             </a:r>
             <a:r>
-              <a:rPr lang="en-US" altLang="en-US" dirty="0"/>
+              <a:rPr lang="en-US" altLang="en-US" sz="2000" dirty="0"/>
               <a:t>:</a:t>
             </a:r>
           </a:p>
           <a:p>
             <a:pPr lvl="1"/>
             <a:r>
-              <a:rPr lang="en-US" altLang="en-US" dirty="0"/>
+              <a:rPr lang="en-US" altLang="en-US" sz="2000" dirty="0"/>
               <a:t>Survives system crashes</a:t>
             </a:r>
           </a:p>
           <a:p>
             <a:pPr lvl="1"/>
             <a:r>
-              <a:rPr lang="en-US" altLang="en-US" dirty="0"/>
+              <a:rPr lang="en-US" altLang="en-US" sz="2000" dirty="0"/>
               <a:t>Examples:  disk, tape, flash memory, non-volatile RAM </a:t>
             </a:r>
           </a:p>
           <a:p>
             <a:pPr lvl="1"/>
             <a:r>
-              <a:rPr lang="en-US" altLang="en-US" dirty="0"/>
+              <a:rPr lang="en-US" altLang="en-US" sz="2000" dirty="0"/>
               <a:t>But may still fail, losing data</a:t>
             </a:r>
           </a:p>
           <a:p>
             <a:r>
-              <a:rPr lang="en-US" altLang="en-US" b="1" dirty="0">
+              <a:rPr lang="en-US" altLang="en-US" sz="2000" b="1" dirty="0">
                 <a:solidFill>
                   <a:srgbClr val="002060"/>
                 </a:solidFill>
@@ -38903,28 +39035,28 @@
               <a:t>Stable storage</a:t>
             </a:r>
             <a:r>
-              <a:rPr lang="en-US" altLang="en-US" dirty="0"/>
+              <a:rPr lang="en-US" altLang="en-US" sz="2000" dirty="0"/>
               <a:t>:</a:t>
             </a:r>
           </a:p>
           <a:p>
             <a:pPr lvl="1"/>
             <a:r>
-              <a:rPr lang="en-US" altLang="en-US" dirty="0"/>
+              <a:rPr lang="en-US" altLang="en-US" sz="2000" dirty="0"/>
               <a:t>A mythical form of storage that survives all failures</a:t>
             </a:r>
           </a:p>
           <a:p>
             <a:pPr lvl="1"/>
             <a:r>
-              <a:rPr lang="en-US" altLang="en-US" dirty="0"/>
+              <a:rPr lang="en-US" altLang="en-US" sz="2000" dirty="0"/>
               <a:t>Approximated by maintaining multiple copies on distinct nonvolatile media</a:t>
             </a:r>
           </a:p>
           <a:p>
             <a:pPr lvl="1"/>
             <a:r>
-              <a:rPr lang="en-US" altLang="en-US" dirty="0"/>
+              <a:rPr lang="en-US" altLang="en-US" sz="2000" dirty="0"/>
               <a:t>See book for more details on how to implement stable storage</a:t>
             </a:r>
           </a:p>
@@ -39914,7 +40046,7 @@
           <a:blip r:embed="rId2">
             <a:extLst>
               <a:ext uri="{96DAC541-7B7A-43D3-8B79-37D633B846F1}">
-                <asvg:svgBlip xmlns:asvg="http://schemas.microsoft.com/office/drawing/2016/SVG/main" xmlns="" r:embed="rId3"/>
+                <asvg:svgBlip xmlns:asvg="http://schemas.microsoft.com/office/drawing/2016/SVG/main" r:embed="rId3"/>
               </a:ext>
             </a:extLst>
           </a:blip>
@@ -40017,7 +40149,7 @@
           <a:blip r:embed="rId2">
             <a:extLst>
               <a:ext uri="{96DAC541-7B7A-43D3-8B79-37D633B846F1}">
-                <asvg:svgBlip xmlns:asvg="http://schemas.microsoft.com/office/drawing/2016/SVG/main" xmlns="" r:embed="rId3"/>
+                <asvg:svgBlip xmlns:asvg="http://schemas.microsoft.com/office/drawing/2016/SVG/main" r:embed="rId3"/>
               </a:ext>
             </a:extLst>
           </a:blip>
@@ -41218,7 +41350,7 @@
               <a:buNone/>
             </a:pPr>
             <a:r>
-              <a:rPr lang="en-US" sz="2800" b="1" dirty="0" smtClean="0">
+              <a:rPr lang="en-US" sz="2800" b="1" dirty="0">
                 <a:solidFill>
                   <a:srgbClr val="002060"/>
                 </a:solidFill>
@@ -41229,21 +41361,7 @@
                 </a:effectLst>
                 <a:latin typeface="+mj-lt"/>
               </a:rPr>
-              <a:t>ARIES </a:t>
-            </a:r>
-            <a:r>
-              <a:rPr lang="en-US" sz="2800" b="1" dirty="0">
-                <a:solidFill>
-                  <a:srgbClr val="002060"/>
-                </a:solidFill>
-                <a:effectLst>
-                  <a:outerShdw blurRad="38100" dist="38100" dir="2700000" algn="tl">
-                    <a:srgbClr val="C0C0C0"/>
-                  </a:outerShdw>
-                </a:effectLst>
-                <a:latin typeface="+mj-lt"/>
-              </a:rPr>
-              <a:t>Recovery Algorithm</a:t>
+              <a:t>ARIES Recovery Algorithm</a:t>
             </a:r>
             <a:endParaRPr lang="en-US" altLang="en-US" sz="2800" b="1" dirty="0">
               <a:solidFill>
@@ -41610,8 +41728,8 @@
         </p:nvSpPr>
         <p:spPr>
           <a:xfrm>
-            <a:off x="683580" y="1102497"/>
-            <a:ext cx="7776839" cy="5367972"/>
+            <a:off x="70658" y="1102497"/>
+            <a:ext cx="8774892" cy="5367972"/>
           </a:xfrm>
           <a:prstGeom prst="rect">
             <a:avLst/>
@@ -41627,7 +41745,7 @@
               </a:lnSpc>
             </a:pPr>
             <a:r>
-              <a:rPr lang="en-US" altLang="en-US" dirty="0"/>
+              <a:rPr lang="en-US" altLang="en-US" sz="2000" dirty="0"/>
               <a:t>Maintain multiple copies of each block on separate disks</a:t>
             </a:r>
           </a:p>
@@ -41638,7 +41756,7 @@
               </a:lnSpc>
             </a:pPr>
             <a:r>
-              <a:rPr lang="en-US" altLang="en-US" dirty="0"/>
+              <a:rPr lang="en-US" altLang="en-US" sz="2000" dirty="0"/>
               <a:t>copies can be at remote sites to protect against disasters such as fire or flooding.</a:t>
             </a:r>
           </a:p>
@@ -41649,7 +41767,7 @@
               </a:lnSpc>
             </a:pPr>
             <a:r>
-              <a:rPr lang="en-US" altLang="en-US" dirty="0"/>
+              <a:rPr lang="en-US" altLang="en-US" sz="2000" dirty="0"/>
               <a:t>Failure during data transfer can still result in inconsistent copies: Block transfer can result in</a:t>
             </a:r>
           </a:p>
@@ -41660,7 +41778,7 @@
               </a:lnSpc>
             </a:pPr>
             <a:r>
-              <a:rPr lang="en-US" altLang="en-US" dirty="0"/>
+              <a:rPr lang="en-US" altLang="en-US" sz="2000" dirty="0"/>
               <a:t>Successful completion</a:t>
             </a:r>
           </a:p>
@@ -41671,7 +41789,7 @@
               </a:lnSpc>
             </a:pPr>
             <a:r>
-              <a:rPr lang="en-US" altLang="en-US" dirty="0"/>
+              <a:rPr lang="en-US" altLang="en-US" sz="2000" dirty="0"/>
               <a:t>Partial failure: destination block has incorrect information</a:t>
             </a:r>
           </a:p>
@@ -41682,7 +41800,7 @@
               </a:lnSpc>
             </a:pPr>
             <a:r>
-              <a:rPr lang="en-US" altLang="en-US" dirty="0"/>
+              <a:rPr lang="en-US" altLang="en-US" sz="2000" dirty="0"/>
               <a:t>Total failure: destination block was never updated</a:t>
             </a:r>
           </a:p>
@@ -41693,7 +41811,7 @@
               </a:lnSpc>
             </a:pPr>
             <a:r>
-              <a:rPr lang="en-US" altLang="en-US" dirty="0"/>
+              <a:rPr lang="en-US" altLang="en-US" sz="2000" dirty="0"/>
               <a:t>Protecting storage media from failure during data transfer (one solution):</a:t>
             </a:r>
           </a:p>
@@ -41704,7 +41822,7 @@
               </a:lnSpc>
             </a:pPr>
             <a:r>
-              <a:rPr lang="en-US" altLang="en-US" dirty="0"/>
+              <a:rPr lang="en-US" altLang="en-US" sz="2000" dirty="0"/>
               <a:t>Execute output operation as follows (assuming two copies of each block):</a:t>
             </a:r>
           </a:p>
@@ -41717,7 +41835,7 @@
               <a:buAutoNum type="arabicPeriod"/>
             </a:pPr>
             <a:r>
-              <a:rPr lang="en-US" altLang="en-US" dirty="0"/>
+              <a:rPr lang="en-US" altLang="en-US" sz="2000" dirty="0"/>
               <a:t>Write the information onto the first physical block.</a:t>
             </a:r>
           </a:p>
@@ -41730,7 +41848,7 @@
               <a:buAutoNum type="arabicPeriod"/>
             </a:pPr>
             <a:r>
-              <a:rPr lang="en-US" altLang="en-US" dirty="0"/>
+              <a:rPr lang="en-US" altLang="en-US" sz="2000" dirty="0"/>
               <a:t>When the first write successfully completes, write the same information onto the second physical block.</a:t>
             </a:r>
           </a:p>
@@ -41743,7 +41861,7 @@
               <a:buAutoNum type="arabicPeriod"/>
             </a:pPr>
             <a:r>
-              <a:rPr lang="en-US" altLang="en-US" dirty="0"/>
+              <a:rPr lang="en-US" altLang="en-US" sz="2000" dirty="0"/>
               <a:t>The output is completed only after the second write successfully completes.</a:t>
             </a:r>
           </a:p>
@@ -42352,17 +42470,9 @@
               <a:rPr lang="en-US" altLang="en-US" dirty="0"/>
               <a:t>Each log record contains LSN of previous log record of the same transaction</a:t>
             </a:r>
-            <a:r>
-              <a:rPr lang="en-US" altLang="en-US" sz="1800" dirty="0"/>
-              <a:t/>
-            </a:r>
             <a:br>
               <a:rPr lang="en-US" altLang="en-US" sz="1800" dirty="0"/>
             </a:br>
-            <a:r>
-              <a:rPr lang="en-US" altLang="en-US" sz="1800" dirty="0"/>
-              <a:t/>
-            </a:r>
             <a:br>
               <a:rPr lang="en-US" altLang="en-US" sz="1800" dirty="0"/>
             </a:br>
@@ -43394,7 +43504,7 @@
           <a:blip r:embed="rId2">
             <a:extLst>
               <a:ext uri="{96DAC541-7B7A-43D3-8B79-37D633B846F1}">
-                <asvg:svgBlip xmlns:asvg="http://schemas.microsoft.com/office/drawing/2016/SVG/main" xmlns="" r:embed="rId3"/>
+                <asvg:svgBlip xmlns:asvg="http://schemas.microsoft.com/office/drawing/2016/SVG/main" r:embed="rId3"/>
               </a:ext>
             </a:extLst>
           </a:blip>
@@ -45554,8 +45664,8 @@
         </p:nvSpPr>
         <p:spPr>
           <a:xfrm>
-            <a:off x="692458" y="1102497"/>
-            <a:ext cx="7661429" cy="5367972"/>
+            <a:off x="99753" y="1102497"/>
+            <a:ext cx="8857211" cy="5367972"/>
           </a:xfrm>
           <a:prstGeom prst="rect">
             <a:avLst/>
@@ -45567,14 +45677,14 @@
           <a:p>
             <a:pPr marL="381000" indent="-381000"/>
             <a:r>
-              <a:rPr lang="en-US" altLang="en-US" dirty="0"/>
+              <a:rPr lang="en-US" altLang="en-US" sz="2000" dirty="0"/>
               <a:t>Copies of a block may differ due to failure during output operation. </a:t>
             </a:r>
           </a:p>
           <a:p>
             <a:pPr marL="381000" indent="-381000"/>
             <a:r>
-              <a:rPr lang="en-US" altLang="en-US" dirty="0"/>
+              <a:rPr lang="en-US" altLang="en-US" sz="2000" dirty="0"/>
               <a:t>To recover from failure:</a:t>
             </a:r>
           </a:p>
@@ -45583,7 +45693,7 @@
               <a:buNone/>
             </a:pPr>
             <a:r>
-              <a:rPr lang="en-US" altLang="en-US" dirty="0">
+              <a:rPr lang="en-US" altLang="en-US" sz="2000" dirty="0">
                 <a:solidFill>
                   <a:srgbClr val="FF9900"/>
                 </a:solidFill>
@@ -45591,7 +45701,7 @@
               <a:t>1.    </a:t>
             </a:r>
             <a:r>
-              <a:rPr lang="en-US" altLang="en-US" dirty="0"/>
+              <a:rPr lang="en-US" altLang="en-US" sz="2000" dirty="0"/>
               <a:t>First find inconsistent blocks:</a:t>
             </a:r>
           </a:p>
@@ -45601,11 +45711,11 @@
               <a:buAutoNum type="arabicPeriod"/>
             </a:pPr>
             <a:r>
-              <a:rPr lang="en-US" altLang="en-US" i="1" dirty="0"/>
+              <a:rPr lang="en-US" altLang="en-US" sz="2000" i="1" dirty="0"/>
               <a:t>Expensive solution</a:t>
             </a:r>
             <a:r>
-              <a:rPr lang="en-US" altLang="en-US" dirty="0"/>
+              <a:rPr lang="en-US" altLang="en-US" sz="2000" dirty="0"/>
               <a:t>: Compare the two copies of every disk block.</a:t>
             </a:r>
           </a:p>
@@ -45615,11 +45725,11 @@
               <a:buAutoNum type="arabicPeriod"/>
             </a:pPr>
             <a:r>
-              <a:rPr lang="en-US" altLang="en-US" i="1" dirty="0"/>
+              <a:rPr lang="en-US" altLang="en-US" sz="2000" i="1" dirty="0"/>
               <a:t>Better solution</a:t>
             </a:r>
             <a:r>
-              <a:rPr lang="en-US" altLang="en-US" dirty="0"/>
+              <a:rPr lang="en-US" altLang="en-US" sz="2000" dirty="0"/>
               <a:t>: </a:t>
             </a:r>
           </a:p>
@@ -45628,7 +45738,7 @@
               <a:buSzPct val="80000"/>
             </a:pPr>
             <a:r>
-              <a:rPr lang="en-US" altLang="en-US" dirty="0"/>
+              <a:rPr lang="en-US" altLang="en-US" sz="2000" dirty="0"/>
               <a:t>Record in-progress disk writes on non-volatile storage (Flash, Non-volatile RAM or special area of disk). </a:t>
             </a:r>
           </a:p>
@@ -45637,7 +45747,7 @@
               <a:buSzPct val="80000"/>
             </a:pPr>
             <a:r>
-              <a:rPr lang="en-US" altLang="en-US" dirty="0"/>
+              <a:rPr lang="en-US" altLang="en-US" sz="2000" dirty="0"/>
               <a:t> Use this information during recovery  to find blocks that may be inconsistent, and only compare copies of these. </a:t>
             </a:r>
           </a:p>
@@ -45646,7 +45756,7 @@
               <a:buSzPct val="80000"/>
             </a:pPr>
             <a:r>
-              <a:rPr lang="en-US" altLang="en-US" dirty="0"/>
+              <a:rPr lang="en-US" altLang="en-US" sz="2000" dirty="0"/>
               <a:t>Used in hardware RAID systems</a:t>
             </a:r>
           </a:p>
@@ -45654,7 +45764,7 @@
             <a:pPr lvl="3">
               <a:buSzPct val="80000"/>
             </a:pPr>
-            <a:endParaRPr lang="en-US" altLang="en-US" sz="400" dirty="0"/>
+            <a:endParaRPr lang="en-US" altLang="en-US" sz="600" dirty="0"/>
           </a:p>
           <a:p>
             <a:pPr marL="457200" lvl="1" indent="0">
@@ -45664,7 +45774,7 @@
               <a:buNone/>
             </a:pPr>
             <a:r>
-              <a:rPr lang="en-US" altLang="en-US" dirty="0">
+              <a:rPr lang="en-US" altLang="en-US" sz="2000" dirty="0">
                 <a:solidFill>
                   <a:srgbClr val="FF9900"/>
                 </a:solidFill>
@@ -45672,7 +45782,7 @@
               <a:t>2.   </a:t>
             </a:r>
             <a:r>
-              <a:rPr lang="en-US" altLang="en-US" dirty="0"/>
+              <a:rPr lang="en-US" altLang="en-US" sz="2000" dirty="0"/>
               <a:t>If either copy of an inconsistent block is detected to have an error </a:t>
             </a:r>
           </a:p>
@@ -45684,7 +45794,7 @@
               <a:buNone/>
             </a:pPr>
             <a:r>
-              <a:rPr lang="en-US" altLang="en-US" dirty="0"/>
+              <a:rPr lang="en-US" altLang="en-US" sz="2000" dirty="0"/>
               <a:t>      (bad checksum), overwrite it by the other copy.  If both have no error, </a:t>
             </a:r>
           </a:p>
@@ -45696,7 +45806,7 @@
               <a:buNone/>
             </a:pPr>
             <a:r>
-              <a:rPr lang="en-US" altLang="en-US" dirty="0"/>
+              <a:rPr lang="en-US" altLang="en-US" sz="2000" dirty="0"/>
               <a:t>      but are different, overwrite the second block by the first block.   </a:t>
             </a:r>
           </a:p>
@@ -46658,7 +46768,7 @@
           <a:blip r:embed="rId2">
             <a:extLst>
               <a:ext uri="{96DAC541-7B7A-43D3-8B79-37D633B846F1}">
-                <asvg:svgBlip xmlns:asvg="http://schemas.microsoft.com/office/drawing/2016/SVG/main" xmlns="" r:embed="rId3"/>
+                <asvg:svgBlip xmlns:asvg="http://schemas.microsoft.com/office/drawing/2016/SVG/main" r:embed="rId3"/>
               </a:ext>
             </a:extLst>
           </a:blip>
@@ -47344,8 +47454,8 @@
         </p:nvSpPr>
         <p:spPr>
           <a:xfrm>
-            <a:off x="701336" y="1102497"/>
-            <a:ext cx="7705817" cy="5367972"/>
+            <a:off x="286789" y="1064029"/>
+            <a:ext cx="8520545" cy="5406440"/>
           </a:xfrm>
           <a:prstGeom prst="rect">
             <a:avLst/>
@@ -47356,7 +47466,7 @@
           <a:lstStyle/>
           <a:p>
             <a:r>
-              <a:rPr lang="en-US" altLang="en-US" b="1" dirty="0">
+              <a:rPr lang="en-US" altLang="en-US" sz="2000" b="1" dirty="0">
                 <a:solidFill>
                   <a:srgbClr val="002060"/>
                 </a:solidFill>
@@ -47364,7 +47474,7 @@
               <a:t>Physical blocks</a:t>
             </a:r>
             <a:r>
-              <a:rPr lang="en-US" altLang="en-US" dirty="0">
+              <a:rPr lang="en-US" altLang="en-US" sz="2000" dirty="0">
                 <a:solidFill>
                   <a:srgbClr val="002060"/>
                 </a:solidFill>
@@ -47372,13 +47482,13 @@
               <a:t> </a:t>
             </a:r>
             <a:r>
-              <a:rPr lang="en-US" altLang="en-US" dirty="0"/>
+              <a:rPr lang="en-US" altLang="en-US" sz="2000" dirty="0"/>
               <a:t>are those blocks residing on the disk. </a:t>
             </a:r>
           </a:p>
           <a:p>
             <a:r>
-              <a:rPr lang="en-US" altLang="en-US" b="1" dirty="0">
+              <a:rPr lang="en-US" altLang="en-US" sz="2000" b="1" dirty="0">
                 <a:solidFill>
                   <a:srgbClr val="002060"/>
                 </a:solidFill>
@@ -47386,7 +47496,7 @@
               <a:t>Buffer blocks</a:t>
             </a:r>
             <a:r>
-              <a:rPr lang="en-US" altLang="en-US" dirty="0">
+              <a:rPr lang="en-US" altLang="en-US" sz="2000" dirty="0">
                 <a:solidFill>
                   <a:srgbClr val="002060"/>
                 </a:solidFill>
@@ -47394,20 +47504,20 @@
               <a:t> </a:t>
             </a:r>
             <a:r>
-              <a:rPr lang="en-US" altLang="en-US" dirty="0"/>
+              <a:rPr lang="en-US" altLang="en-US" sz="2000" dirty="0"/>
               <a:t>are the blocks residing temporarily in main memory.</a:t>
             </a:r>
           </a:p>
           <a:p>
             <a:r>
-              <a:rPr lang="en-US" altLang="en-US" dirty="0"/>
+              <a:rPr lang="en-US" altLang="en-US" sz="2000" dirty="0"/>
               <a:t>Block movements between  disk and main memory are initiated through the following two operations:</a:t>
             </a:r>
           </a:p>
           <a:p>
             <a:pPr lvl="1"/>
             <a:r>
-              <a:rPr lang="en-US" altLang="en-US" b="1" dirty="0">
+              <a:rPr lang="en-US" altLang="en-US" sz="2000" b="1" dirty="0">
                 <a:solidFill>
                   <a:srgbClr val="002060"/>
                 </a:solidFill>
@@ -47415,7 +47525,7 @@
               <a:t>input</a:t>
             </a:r>
             <a:r>
-              <a:rPr lang="en-US" altLang="en-US" b="1" dirty="0">
+              <a:rPr lang="en-US" altLang="en-US" sz="2000" b="1" dirty="0">
                 <a:solidFill>
                   <a:srgbClr val="000099"/>
                 </a:solidFill>
@@ -47423,30 +47533,30 @@
               <a:t> </a:t>
             </a:r>
             <a:r>
-              <a:rPr lang="en-US" altLang="en-US" dirty="0"/>
+              <a:rPr lang="en-US" altLang="en-US" sz="2000" dirty="0"/>
               <a:t>(</a:t>
             </a:r>
             <a:r>
-              <a:rPr lang="en-US" altLang="en-US" i="1" dirty="0"/>
+              <a:rPr lang="en-US" altLang="en-US" sz="2000" i="1" dirty="0"/>
               <a:t>B</a:t>
             </a:r>
             <a:r>
-              <a:rPr lang="en-US" altLang="en-US" dirty="0"/>
+              <a:rPr lang="en-US" altLang="en-US" sz="2000" dirty="0"/>
               <a:t>) transfers the physical block </a:t>
             </a:r>
             <a:r>
-              <a:rPr lang="en-US" altLang="en-US" i="1" dirty="0"/>
+              <a:rPr lang="en-US" altLang="en-US" sz="2000" i="1" dirty="0"/>
               <a:t>B  </a:t>
             </a:r>
             <a:r>
-              <a:rPr lang="en-US" altLang="en-US" dirty="0"/>
+              <a:rPr lang="en-US" altLang="en-US" sz="2000" dirty="0"/>
               <a:t>to main memory.</a:t>
             </a:r>
           </a:p>
           <a:p>
             <a:pPr lvl="1"/>
             <a:r>
-              <a:rPr lang="en-US" altLang="en-US" b="1" dirty="0">
+              <a:rPr lang="en-US" altLang="en-US" sz="2000" b="1" dirty="0">
                 <a:solidFill>
                   <a:srgbClr val="002060"/>
                 </a:solidFill>
@@ -47454,29 +47564,29 @@
               <a:t>output </a:t>
             </a:r>
             <a:r>
-              <a:rPr lang="en-US" altLang="en-US" dirty="0"/>
+              <a:rPr lang="en-US" altLang="en-US" sz="2000" dirty="0"/>
               <a:t>(</a:t>
             </a:r>
             <a:r>
-              <a:rPr lang="en-US" altLang="en-US" i="1" dirty="0"/>
+              <a:rPr lang="en-US" altLang="en-US" sz="2000" i="1" dirty="0"/>
               <a:t>B</a:t>
             </a:r>
             <a:r>
-              <a:rPr lang="en-US" altLang="en-US" dirty="0"/>
+              <a:rPr lang="en-US" altLang="en-US" sz="2000" dirty="0"/>
               <a:t>) transfers the buffer block </a:t>
             </a:r>
             <a:r>
-              <a:rPr lang="en-US" altLang="en-US" i="1" dirty="0"/>
+              <a:rPr lang="en-US" altLang="en-US" sz="2000" i="1" dirty="0"/>
               <a:t>B </a:t>
             </a:r>
             <a:r>
-              <a:rPr lang="en-US" altLang="en-US" dirty="0"/>
+              <a:rPr lang="en-US" altLang="en-US" sz="2000" dirty="0"/>
               <a:t>to the disk, and replaces the appropriate physical block there.</a:t>
             </a:r>
           </a:p>
           <a:p>
             <a:r>
-              <a:rPr lang="en-US" altLang="en-US" dirty="0"/>
+              <a:rPr lang="en-US" altLang="en-US" sz="2000" dirty="0"/>
               <a:t>We assume, for simplicity, that each data item fits in, and is stored inside, a single block.</a:t>
             </a:r>
           </a:p>
@@ -48649,8 +48759,8 @@
         </p:nvSpPr>
         <p:spPr>
           <a:xfrm>
-            <a:off x="692458" y="1102497"/>
-            <a:ext cx="7741328" cy="4810031"/>
+            <a:off x="191193" y="1102497"/>
+            <a:ext cx="8711738" cy="4810031"/>
           </a:xfrm>
           <a:prstGeom prst="rect">
             <a:avLst/>
@@ -48661,80 +48771,80 @@
           <a:lstStyle/>
           <a:p>
             <a:r>
-              <a:rPr lang="en-US" altLang="en-US" dirty="0"/>
+              <a:rPr lang="en-US" altLang="en-US" sz="2000" dirty="0"/>
               <a:t>Each transaction </a:t>
             </a:r>
             <a:r>
-              <a:rPr lang="en-US" altLang="en-US" i="1" dirty="0" err="1"/>
+              <a:rPr lang="en-US" altLang="en-US" sz="2000" i="1" dirty="0" err="1"/>
               <a:t>T</a:t>
             </a:r>
             <a:r>
-              <a:rPr lang="en-US" altLang="en-US" i="1" baseline="-25000" dirty="0" err="1"/>
+              <a:rPr lang="en-US" altLang="en-US" sz="2000" i="1" baseline="-25000" dirty="0" err="1"/>
               <a:t>i</a:t>
             </a:r>
             <a:r>
-              <a:rPr lang="en-US" altLang="en-US" i="1" dirty="0"/>
+              <a:rPr lang="en-US" altLang="en-US" sz="2000" i="1" dirty="0"/>
               <a:t> </a:t>
             </a:r>
             <a:r>
-              <a:rPr lang="en-US" altLang="en-US" dirty="0"/>
+              <a:rPr lang="en-US" altLang="en-US" sz="2000" dirty="0"/>
               <a:t>has its private work-area in which local copies of all data items accessed and updated by it are kept.</a:t>
             </a:r>
           </a:p>
           <a:p>
             <a:pPr lvl="1"/>
             <a:r>
-              <a:rPr lang="en-US" altLang="en-US" dirty="0"/>
+              <a:rPr lang="en-US" altLang="en-US" sz="2000" dirty="0"/>
               <a:t> </a:t>
             </a:r>
             <a:r>
-              <a:rPr lang="en-US" altLang="en-US" i="1" dirty="0" err="1"/>
+              <a:rPr lang="en-US" altLang="en-US" sz="2000" i="1" dirty="0" err="1"/>
               <a:t>T</a:t>
             </a:r>
             <a:r>
-              <a:rPr lang="en-US" altLang="en-US" i="1" baseline="-25000" dirty="0" err="1"/>
+              <a:rPr lang="en-US" altLang="en-US" sz="2000" i="1" baseline="-25000" dirty="0" err="1"/>
               <a:t>i</a:t>
             </a:r>
             <a:r>
-              <a:rPr lang="en-US" altLang="en-US" i="1" baseline="-25000" dirty="0"/>
+              <a:rPr lang="en-US" altLang="en-US" sz="2000" i="1" baseline="-25000" dirty="0"/>
               <a:t> </a:t>
             </a:r>
             <a:r>
-              <a:rPr lang="en-US" altLang="en-US" dirty="0"/>
+              <a:rPr lang="en-US" altLang="en-US" sz="2000" dirty="0"/>
               <a:t>'s local copy of a data item </a:t>
             </a:r>
             <a:r>
-              <a:rPr lang="en-US" altLang="en-US" i="1" dirty="0"/>
+              <a:rPr lang="en-US" altLang="en-US" sz="2000" i="1" dirty="0"/>
               <a:t>X</a:t>
             </a:r>
             <a:r>
-              <a:rPr lang="en-US" altLang="en-US" dirty="0"/>
+              <a:rPr lang="en-US" altLang="en-US" sz="2000" dirty="0"/>
               <a:t> is called </a:t>
             </a:r>
             <a:r>
-              <a:rPr lang="en-US" altLang="en-US" i="1" dirty="0"/>
+              <a:rPr lang="en-US" altLang="en-US" sz="2000" i="1" dirty="0"/>
               <a:t>x</a:t>
             </a:r>
             <a:r>
-              <a:rPr lang="en-US" altLang="en-US" i="1" baseline="-25000" dirty="0"/>
+              <a:rPr lang="en-US" altLang="en-US" sz="2000" i="1" baseline="-25000" dirty="0"/>
               <a:t>i</a:t>
             </a:r>
             <a:r>
-              <a:rPr lang="en-US" altLang="en-US" i="1" dirty="0"/>
+              <a:rPr lang="en-US" altLang="en-US" sz="2000" i="1" dirty="0"/>
               <a:t>.</a:t>
             </a:r>
-            <a:endParaRPr lang="en-US" altLang="en-US" dirty="0"/>
-          </a:p>
-          <a:p>
-            <a:r>
-              <a:rPr lang="en-US" altLang="en-US" dirty="0"/>
+            <a:endParaRPr lang="en-US" altLang="en-US" sz="2000" dirty="0"/>
+          </a:p>
+          <a:p>
+            <a:r>
+              <a:rPr lang="en-US" altLang="en-US" sz="2000" dirty="0"/>
               <a:t>Transferring data items between system buffer blocks and its private work-area done by:</a:t>
             </a:r>
           </a:p>
           <a:p>
             <a:pPr lvl="1"/>
             <a:r>
-              <a:rPr lang="en-US" altLang="en-US" b="1" dirty="0">
+              <a:rPr lang="en-US" altLang="en-US" sz="2000" b="1" dirty="0">
                 <a:solidFill>
                   <a:srgbClr val="002060"/>
                 </a:solidFill>
@@ -48742,42 +48852,42 @@
               <a:t>read</a:t>
             </a:r>
             <a:r>
-              <a:rPr lang="en-US" altLang="en-US" dirty="0"/>
+              <a:rPr lang="en-US" altLang="en-US" sz="2000" dirty="0"/>
               <a:t>(</a:t>
             </a:r>
             <a:r>
-              <a:rPr lang="en-US" altLang="en-US" i="1" dirty="0"/>
+              <a:rPr lang="en-US" altLang="en-US" sz="2000" i="1" dirty="0"/>
               <a:t>X</a:t>
             </a:r>
             <a:r>
-              <a:rPr lang="en-US" altLang="en-US" dirty="0"/>
+              <a:rPr lang="en-US" altLang="en-US" sz="2000" dirty="0"/>
               <a:t>) assigns the value of data item </a:t>
             </a:r>
             <a:r>
-              <a:rPr lang="en-US" altLang="en-US" i="1" dirty="0"/>
+              <a:rPr lang="en-US" altLang="en-US" sz="2000" i="1" dirty="0"/>
               <a:t>X</a:t>
             </a:r>
             <a:r>
-              <a:rPr lang="en-US" altLang="en-US" dirty="0"/>
+              <a:rPr lang="en-US" altLang="en-US" sz="2000" dirty="0"/>
               <a:t> to the local variable </a:t>
             </a:r>
             <a:r>
-              <a:rPr lang="en-US" altLang="en-US" i="1" dirty="0"/>
+              <a:rPr lang="en-US" altLang="en-US" sz="2000" i="1" dirty="0"/>
               <a:t>x</a:t>
             </a:r>
             <a:r>
-              <a:rPr lang="en-US" altLang="en-US" i="1" baseline="-25000" dirty="0"/>
+              <a:rPr lang="en-US" altLang="en-US" sz="2000" i="1" baseline="-25000" dirty="0"/>
               <a:t>i</a:t>
             </a:r>
             <a:r>
-              <a:rPr lang="en-US" altLang="en-US" dirty="0"/>
+              <a:rPr lang="en-US" altLang="en-US" sz="2000" dirty="0"/>
               <a:t>.</a:t>
             </a:r>
           </a:p>
           <a:p>
             <a:pPr lvl="1"/>
             <a:r>
-              <a:rPr lang="en-US" altLang="en-US" b="1" dirty="0">
+              <a:rPr lang="en-US" altLang="en-US" sz="2000" b="1" dirty="0">
                 <a:solidFill>
                   <a:srgbClr val="002060"/>
                 </a:solidFill>
@@ -48785,146 +48895,146 @@
               <a:t>write</a:t>
             </a:r>
             <a:r>
-              <a:rPr lang="en-US" altLang="en-US" dirty="0"/>
+              <a:rPr lang="en-US" altLang="en-US" sz="2000" dirty="0"/>
               <a:t>(</a:t>
             </a:r>
             <a:r>
-              <a:rPr lang="en-US" altLang="en-US" i="1" dirty="0"/>
+              <a:rPr lang="en-US" altLang="en-US" sz="2000" i="1" dirty="0"/>
               <a:t>X</a:t>
             </a:r>
             <a:r>
-              <a:rPr lang="en-US" altLang="en-US" dirty="0"/>
+              <a:rPr lang="en-US" altLang="en-US" sz="2000" dirty="0"/>
               <a:t>) assigns the value of local variable </a:t>
             </a:r>
             <a:r>
-              <a:rPr lang="en-US" altLang="en-US" i="1" dirty="0"/>
+              <a:rPr lang="en-US" altLang="en-US" sz="2000" i="1" dirty="0"/>
               <a:t>x</a:t>
             </a:r>
             <a:r>
-              <a:rPr lang="en-US" altLang="en-US" i="1" baseline="-25000" dirty="0"/>
+              <a:rPr lang="en-US" altLang="en-US" sz="2000" i="1" baseline="-25000" dirty="0"/>
               <a:t>i</a:t>
             </a:r>
             <a:r>
-              <a:rPr lang="en-US" altLang="en-US" i="1" dirty="0"/>
+              <a:rPr lang="en-US" altLang="en-US" sz="2000" i="1" dirty="0"/>
               <a:t> </a:t>
             </a:r>
             <a:r>
-              <a:rPr lang="en-US" altLang="en-US" dirty="0"/>
+              <a:rPr lang="en-US" altLang="en-US" sz="2000" dirty="0"/>
               <a:t>to data item {</a:t>
             </a:r>
             <a:r>
-              <a:rPr lang="en-US" altLang="en-US" i="1" dirty="0"/>
+              <a:rPr lang="en-US" altLang="en-US" sz="2000" i="1" dirty="0"/>
               <a:t>X</a:t>
             </a:r>
             <a:r>
-              <a:rPr lang="en-US" altLang="en-US" dirty="0"/>
+              <a:rPr lang="en-US" altLang="en-US" sz="2000" dirty="0"/>
               <a:t>} in the buffer block.</a:t>
             </a:r>
           </a:p>
           <a:p>
             <a:pPr lvl="1"/>
             <a:r>
-              <a:rPr lang="en-US" altLang="en-US" dirty="0"/>
+              <a:rPr lang="en-US" altLang="en-US" sz="2000" dirty="0"/>
               <a:t>Note:</a:t>
             </a:r>
             <a:r>
-              <a:rPr lang="en-US" altLang="en-US" b="1" dirty="0"/>
+              <a:rPr lang="en-US" altLang="en-US" sz="2000" b="1" dirty="0"/>
               <a:t> output</a:t>
             </a:r>
             <a:r>
-              <a:rPr lang="en-US" altLang="en-US" dirty="0"/>
+              <a:rPr lang="en-US" altLang="en-US" sz="2000" dirty="0"/>
               <a:t>(</a:t>
             </a:r>
             <a:r>
-              <a:rPr lang="en-US" altLang="en-US" i="1" dirty="0"/>
+              <a:rPr lang="en-US" altLang="en-US" sz="2000" i="1" dirty="0"/>
               <a:t>B</a:t>
             </a:r>
             <a:r>
-              <a:rPr lang="en-US" altLang="en-US" i="1" baseline="-25000" dirty="0"/>
+              <a:rPr lang="en-US" altLang="en-US" sz="2000" i="1" baseline="-25000" dirty="0"/>
               <a:t>X</a:t>
             </a:r>
             <a:r>
-              <a:rPr lang="en-US" altLang="en-US" dirty="0"/>
+              <a:rPr lang="en-US" altLang="en-US" sz="2000" dirty="0"/>
               <a:t>) need not immediately follow </a:t>
             </a:r>
             <a:r>
-              <a:rPr lang="en-US" altLang="en-US" b="1" dirty="0"/>
+              <a:rPr lang="en-US" altLang="en-US" sz="2000" b="1" dirty="0"/>
               <a:t>write</a:t>
             </a:r>
             <a:r>
-              <a:rPr lang="en-US" altLang="en-US" dirty="0"/>
+              <a:rPr lang="en-US" altLang="en-US" sz="2000" dirty="0"/>
               <a:t>(</a:t>
             </a:r>
             <a:r>
-              <a:rPr lang="en-US" altLang="en-US" i="1" dirty="0"/>
+              <a:rPr lang="en-US" altLang="en-US" sz="2000" i="1" dirty="0"/>
               <a:t>X</a:t>
             </a:r>
             <a:r>
-              <a:rPr lang="en-US" altLang="en-US" dirty="0"/>
+              <a:rPr lang="en-US" altLang="en-US" sz="2000" dirty="0"/>
               <a:t>). System can perform the </a:t>
             </a:r>
             <a:r>
-              <a:rPr lang="en-US" altLang="en-US" b="1" dirty="0"/>
+              <a:rPr lang="en-US" altLang="en-US" sz="2000" b="1" dirty="0"/>
               <a:t>output</a:t>
             </a:r>
             <a:r>
-              <a:rPr lang="en-US" altLang="en-US" dirty="0"/>
+              <a:rPr lang="en-US" altLang="en-US" sz="2000" dirty="0"/>
               <a:t> operation when it deems fit.</a:t>
             </a:r>
           </a:p>
           <a:p>
             <a:r>
-              <a:rPr lang="en-US" altLang="en-US" dirty="0"/>
+              <a:rPr lang="en-US" altLang="en-US" sz="2000" dirty="0"/>
               <a:t>Transactions </a:t>
             </a:r>
           </a:p>
           <a:p>
             <a:pPr lvl="1"/>
             <a:r>
-              <a:rPr lang="en-US" altLang="en-US" dirty="0"/>
+              <a:rPr lang="en-US" altLang="en-US" sz="2000" dirty="0"/>
               <a:t>Must perform </a:t>
             </a:r>
             <a:r>
-              <a:rPr lang="en-US" altLang="en-US" b="1" dirty="0"/>
+              <a:rPr lang="en-US" altLang="en-US" sz="2000" b="1" dirty="0"/>
               <a:t>read</a:t>
             </a:r>
             <a:r>
-              <a:rPr lang="en-US" altLang="en-US" dirty="0"/>
+              <a:rPr lang="en-US" altLang="en-US" sz="2000" dirty="0"/>
               <a:t>(</a:t>
             </a:r>
             <a:r>
-              <a:rPr lang="en-US" altLang="en-US" i="1" dirty="0"/>
+              <a:rPr lang="en-US" altLang="en-US" sz="2000" i="1" dirty="0"/>
               <a:t>X</a:t>
             </a:r>
             <a:r>
-              <a:rPr lang="en-US" altLang="en-US" dirty="0"/>
+              <a:rPr lang="en-US" altLang="en-US" sz="2000" dirty="0"/>
               <a:t>) before accessing </a:t>
             </a:r>
             <a:r>
-              <a:rPr lang="en-US" altLang="en-US" i="1" dirty="0"/>
+              <a:rPr lang="en-US" altLang="en-US" sz="2000" i="1" dirty="0"/>
               <a:t>X</a:t>
             </a:r>
             <a:r>
-              <a:rPr lang="en-US" altLang="en-US" dirty="0"/>
+              <a:rPr lang="en-US" altLang="en-US" sz="2000" dirty="0"/>
               <a:t> for the first time (subsequent reads can be from local copy) </a:t>
             </a:r>
           </a:p>
           <a:p>
             <a:pPr lvl="1"/>
             <a:r>
-              <a:rPr lang="en-US" altLang="en-US" b="1" dirty="0"/>
+              <a:rPr lang="en-US" altLang="en-US" sz="2000" b="1" dirty="0"/>
               <a:t>write</a:t>
             </a:r>
             <a:r>
-              <a:rPr lang="en-US" altLang="en-US" dirty="0"/>
+              <a:rPr lang="en-US" altLang="en-US" sz="2000" dirty="0"/>
               <a:t>(</a:t>
             </a:r>
             <a:r>
-              <a:rPr lang="en-US" altLang="en-US" i="1" dirty="0"/>
+              <a:rPr lang="en-US" altLang="en-US" sz="2000" i="1" dirty="0"/>
               <a:t>X</a:t>
             </a:r>
             <a:r>
-              <a:rPr lang="en-US" altLang="en-US" dirty="0"/>
+              <a:rPr lang="en-US" altLang="en-US" sz="2000" dirty="0"/>
               <a:t>) can be executed at any time before the transaction commits</a:t>
             </a:r>
           </a:p>
